--- a/Looking Normal and Seeing Stars/GeekSync Edition 2020-07-15/Looking Normal Seeing Stars.pptx
+++ b/Looking Normal and Seeing Stars/GeekSync Edition 2020-07-15/Looking Normal Seeing Stars.pptx
@@ -4954,7 +4954,7 @@
           <a:p>
             <a:fld id="{D82BEB69-28A2-4A99-B18F-C2DC89ABA340}" type="datetimeFigureOut">
               <a:rPr lang="en-US" smtClean="0"/>
-              <a:t>7/14/2020</a:t>
+              <a:t>7/15/2020</a:t>
             </a:fld>
             <a:endParaRPr lang="en-US"/>
           </a:p>
@@ -5131,7 +5131,7 @@
           <a:p>
             <a:fld id="{519A9B18-9A03-4EF4-801A-A83CE9F33512}" type="datetimeFigureOut">
               <a:rPr lang="en-US" smtClean="0"/>
-              <a:t>7/14/2020</a:t>
+              <a:t>7/15/2020</a:t>
             </a:fld>
             <a:endParaRPr lang="en-US"/>
           </a:p>
@@ -8916,7 +8916,7 @@
           <a:p>
             <a:fld id="{454A9E07-4B8F-4AC2-BB65-7BBEAFC6130B}" type="datetimeFigureOut">
               <a:rPr lang="en-US" smtClean="0"/>
-              <a:t>7/14/2020</a:t>
+              <a:t>7/15/2020</a:t>
             </a:fld>
             <a:endParaRPr lang="en-US"/>
           </a:p>
@@ -9114,7 +9114,7 @@
           <a:p>
             <a:fld id="{454A9E07-4B8F-4AC2-BB65-7BBEAFC6130B}" type="datetimeFigureOut">
               <a:rPr lang="en-US" smtClean="0"/>
-              <a:t>7/14/2020</a:t>
+              <a:t>7/15/2020</a:t>
             </a:fld>
             <a:endParaRPr lang="en-US"/>
           </a:p>
@@ -9389,7 +9389,7 @@
           <a:p>
             <a:fld id="{454A9E07-4B8F-4AC2-BB65-7BBEAFC6130B}" type="datetimeFigureOut">
               <a:rPr lang="en-US" smtClean="0"/>
-              <a:t>7/14/2020</a:t>
+              <a:t>7/15/2020</a:t>
             </a:fld>
             <a:endParaRPr lang="en-US"/>
           </a:p>
@@ -9654,7 +9654,7 @@
           <a:p>
             <a:fld id="{454A9E07-4B8F-4AC2-BB65-7BBEAFC6130B}" type="datetimeFigureOut">
               <a:rPr lang="en-US" smtClean="0"/>
-              <a:t>7/14/2020</a:t>
+              <a:t>7/15/2020</a:t>
             </a:fld>
             <a:endParaRPr lang="en-US"/>
           </a:p>
@@ -10066,7 +10066,7 @@
           <a:p>
             <a:fld id="{454A9E07-4B8F-4AC2-BB65-7BBEAFC6130B}" type="datetimeFigureOut">
               <a:rPr lang="en-US" smtClean="0"/>
-              <a:t>7/14/2020</a:t>
+              <a:t>7/15/2020</a:t>
             </a:fld>
             <a:endParaRPr lang="en-US"/>
           </a:p>
@@ -10207,7 +10207,7 @@
           <a:p>
             <a:fld id="{454A9E07-4B8F-4AC2-BB65-7BBEAFC6130B}" type="datetimeFigureOut">
               <a:rPr lang="en-US" smtClean="0"/>
-              <a:t>7/14/2020</a:t>
+              <a:t>7/15/2020</a:t>
             </a:fld>
             <a:endParaRPr lang="en-US"/>
           </a:p>
@@ -10320,7 +10320,7 @@
           <a:p>
             <a:fld id="{454A9E07-4B8F-4AC2-BB65-7BBEAFC6130B}" type="datetimeFigureOut">
               <a:rPr lang="en-US" smtClean="0"/>
-              <a:t>7/14/2020</a:t>
+              <a:t>7/15/2020</a:t>
             </a:fld>
             <a:endParaRPr lang="en-US"/>
           </a:p>
@@ -11336,7 +11336,7 @@
           <a:p>
             <a:fld id="{454A9E07-4B8F-4AC2-BB65-7BBEAFC6130B}" type="datetimeFigureOut">
               <a:rPr lang="en-US" smtClean="0"/>
-              <a:t>7/14/2020</a:t>
+              <a:t>7/15/2020</a:t>
             </a:fld>
             <a:endParaRPr lang="en-US"/>
           </a:p>
@@ -11624,7 +11624,7 @@
           <a:p>
             <a:fld id="{454A9E07-4B8F-4AC2-BB65-7BBEAFC6130B}" type="datetimeFigureOut">
               <a:rPr lang="en-US" smtClean="0"/>
-              <a:t>7/14/2020</a:t>
+              <a:t>7/15/2020</a:t>
             </a:fld>
             <a:endParaRPr lang="en-US"/>
           </a:p>
@@ -11822,7 +11822,7 @@
           <a:p>
             <a:fld id="{454A9E07-4B8F-4AC2-BB65-7BBEAFC6130B}" type="datetimeFigureOut">
               <a:rPr lang="en-US" smtClean="0"/>
-              <a:t>7/14/2020</a:t>
+              <a:t>7/15/2020</a:t>
             </a:fld>
             <a:endParaRPr lang="en-US"/>
           </a:p>
@@ -12030,7 +12030,7 @@
           <a:p>
             <a:fld id="{454A9E07-4B8F-4AC2-BB65-7BBEAFC6130B}" type="datetimeFigureOut">
               <a:rPr lang="en-US" smtClean="0"/>
-              <a:t>7/14/2020</a:t>
+              <a:t>7/15/2020</a:t>
             </a:fld>
             <a:endParaRPr lang="en-US"/>
           </a:p>
@@ -19781,7 +19781,7 @@
           <a:p>
             <a:fld id="{454A9E07-4B8F-4AC2-BB65-7BBEAFC6130B}" type="datetimeFigureOut">
               <a:rPr lang="en-US" smtClean="0"/>
-              <a:t>7/14/2020</a:t>
+              <a:t>7/15/2020</a:t>
             </a:fld>
             <a:endParaRPr lang="en-US"/>
           </a:p>
@@ -30426,7 +30426,7 @@
             <a:spLocks noGrp="1"/>
           </p:cNvSpPr>
           <p:nvPr>
-            <p:ph type="title"/>
+            <p:ph type="ctrTitle"/>
           </p:nvPr>
         </p:nvSpPr>
         <p:spPr/>
@@ -30434,6 +30434,7 @@
           <a:bodyPr/>
           <a:lstStyle/>
           <a:p>
+            <a:pPr algn="l"/>
             <a:r>
               <a:rPr lang="en-US" dirty="0"/>
               <a:t>Agenda</a:t>
@@ -30454,34 +30455,54 @@
             <a:spLocks noGrp="1"/>
           </p:cNvSpPr>
           <p:nvPr>
-            <p:ph type="body" idx="1"/>
+            <p:ph type="subTitle" idx="1"/>
           </p:nvPr>
         </p:nvSpPr>
         <p:spPr/>
         <p:txBody>
           <a:bodyPr>
-            <a:normAutofit/>
+            <a:normAutofit fontScale="70000" lnSpcReduction="20000"/>
           </a:bodyPr>
           <a:lstStyle/>
           <a:p>
+            <a:pPr marL="482600" indent="-457200" algn="l">
+              <a:buFont typeface="Arial" panose="020B0604020202020204" pitchFamily="34" charset="0"/>
+              <a:buChar char="•"/>
+            </a:pPr>
             <a:r>
               <a:rPr lang="en-US" sz="3200" dirty="0"/>
               <a:t>Normal Forms</a:t>
             </a:r>
           </a:p>
           <a:p>
+            <a:pPr marL="311150" indent="-285750" algn="l">
+              <a:buFont typeface="Arial" panose="020B0604020202020204" pitchFamily="34" charset="0"/>
+              <a:buChar char="•"/>
+            </a:pPr>
             <a:endParaRPr lang="en-US" sz="1400" dirty="0"/>
           </a:p>
           <a:p>
+            <a:pPr marL="482600" indent="-457200" algn="l">
+              <a:buFont typeface="Arial" panose="020B0604020202020204" pitchFamily="34" charset="0"/>
+              <a:buChar char="•"/>
+            </a:pPr>
             <a:r>
               <a:rPr lang="en-US" sz="3200" dirty="0"/>
               <a:t>Star Schemas</a:t>
             </a:r>
           </a:p>
           <a:p>
+            <a:pPr marL="311150" indent="-285750" algn="l">
+              <a:buFont typeface="Arial" panose="020B0604020202020204" pitchFamily="34" charset="0"/>
+              <a:buChar char="•"/>
+            </a:pPr>
             <a:endParaRPr lang="en-US" sz="1400" dirty="0"/>
           </a:p>
           <a:p>
+            <a:pPr marL="482600" indent="-457200" algn="l">
+              <a:buFont typeface="Arial" panose="020B0604020202020204" pitchFamily="34" charset="0"/>
+              <a:buChar char="•"/>
+            </a:pPr>
             <a:r>
               <a:rPr lang="en-US" sz="3200" dirty="0"/>
               <a:t>Normal Forms and Star Schemas Working Together</a:t>
